--- a/ActionLearning/provided/Action Learning poster template (read speaker notes).pptx
+++ b/ActionLearning/provided/Action Learning poster template (read speaker notes).pptx
@@ -2,13 +2,13 @@
 <file path=ppt/presentation.xml><?xml version="1.0" encoding="utf-8"?>
 <p:presentation xmlns:a="http://schemas.openxmlformats.org/drawingml/2006/main" xmlns:r="http://schemas.openxmlformats.org/officeDocument/2006/relationships" xmlns:p="http://schemas.openxmlformats.org/presentationml/2006/main" saveSubsetFonts="1" autoCompressPictures="0">
   <p:sldMasterIdLst>
-    <p:sldMasterId id="2147483660" r:id="rId1"/>
+    <p:sldMasterId id="2147483660" r:id="rId4"/>
   </p:sldMasterIdLst>
   <p:notesMasterIdLst>
-    <p:notesMasterId r:id="rId3"/>
+    <p:notesMasterId r:id="rId6"/>
   </p:notesMasterIdLst>
   <p:sldIdLst>
-    <p:sldId id="256" r:id="rId2"/>
+    <p:sldId id="256" r:id="rId5"/>
   </p:sldIdLst>
   <p:sldSz cx="32918400" cy="21945600"/>
   <p:notesSz cx="6858000" cy="9144000"/>
@@ -164,6 +164,68 @@
     </p:ext>
   </p:extLst>
 </p:presentation>
+</file>
+
+<file path=ppt/revisionInfo.xml><?xml version="1.0" encoding="utf-8"?>
+<p1510:revInfo xmlns:a="http://schemas.openxmlformats.org/drawingml/2006/main" xmlns:r="http://schemas.openxmlformats.org/officeDocument/2006/relationships" xmlns:p1510="http://schemas.microsoft.com/office/powerpoint/2015/10/main">
+  <p1510:revLst>
+    <p1510:client id="{8DE1EA0F-49DC-48BF-BE16-9F85723902BF}" v="2" dt="2022-05-06T11:13:35.599"/>
+    <p1510:client id="{BB67BD2E-4ABB-4F40-A6CB-2F9AE9C3814B}" v="2" dt="2022-05-09T20:44:34.138"/>
+  </p1510:revLst>
+</p1510:revInfo>
+</file>
+
+<file path=ppt/changesInfos/changesInfo1.xml><?xml version="1.0" encoding="utf-8"?>
+<pc:chgInfo xmlns:a="http://schemas.openxmlformats.org/drawingml/2006/main" xmlns:r="http://schemas.openxmlformats.org/officeDocument/2006/relationships" xmlns:ac="http://schemas.microsoft.com/office/drawing/2013/main/command" xmlns:pc="http://schemas.microsoft.com/office/powerpoint/2013/main/command">
+  <pc:docChgLst>
+    <pc:chgData name="Mohamad Serhan" userId="S::mohamad.serhan@epita.fr::f35168db-4ab9-4caa-bee8-4bd6c10408e2" providerId="AD" clId="Web-{BB67BD2E-4ABB-4F40-A6CB-2F9AE9C3814B}"/>
+    <pc:docChg chg="modSld">
+      <pc:chgData name="Mohamad Serhan" userId="S::mohamad.serhan@epita.fr::f35168db-4ab9-4caa-bee8-4bd6c10408e2" providerId="AD" clId="Web-{BB67BD2E-4ABB-4F40-A6CB-2F9AE9C3814B}" dt="2022-05-09T20:44:34.138" v="1" actId="1076"/>
+      <pc:docMkLst>
+        <pc:docMk/>
+      </pc:docMkLst>
+      <pc:sldChg chg="modSp">
+        <pc:chgData name="Mohamad Serhan" userId="S::mohamad.serhan@epita.fr::f35168db-4ab9-4caa-bee8-4bd6c10408e2" providerId="AD" clId="Web-{BB67BD2E-4ABB-4F40-A6CB-2F9AE9C3814B}" dt="2022-05-09T20:44:34.138" v="1" actId="1076"/>
+        <pc:sldMkLst>
+          <pc:docMk/>
+          <pc:sldMk cId="1069967497" sldId="256"/>
+        </pc:sldMkLst>
+        <pc:spChg chg="mod">
+          <ac:chgData name="Mohamad Serhan" userId="S::mohamad.serhan@epita.fr::f35168db-4ab9-4caa-bee8-4bd6c10408e2" providerId="AD" clId="Web-{BB67BD2E-4ABB-4F40-A6CB-2F9AE9C3814B}" dt="2022-05-09T20:44:34.138" v="1" actId="1076"/>
+          <ac:spMkLst>
+            <pc:docMk/>
+            <pc:sldMk cId="1069967497" sldId="256"/>
+            <ac:spMk id="2" creationId="{00000000-0000-0000-0000-000000000000}"/>
+          </ac:spMkLst>
+        </pc:spChg>
+      </pc:sldChg>
+    </pc:docChg>
+  </pc:docChgLst>
+  <pc:docChgLst>
+    <pc:chgData name="Elias Afara" userId="S::elias.afara@epita.fr::86ec9bd4-65ef-4e61-9c40-9d576db7455f" providerId="AD" clId="Web-{8DE1EA0F-49DC-48BF-BE16-9F85723902BF}"/>
+    <pc:docChg chg="modSld">
+      <pc:chgData name="Elias Afara" userId="S::elias.afara@epita.fr::86ec9bd4-65ef-4e61-9c40-9d576db7455f" providerId="AD" clId="Web-{8DE1EA0F-49DC-48BF-BE16-9F85723902BF}" dt="2022-05-06T11:13:35.599" v="1"/>
+      <pc:docMkLst>
+        <pc:docMk/>
+      </pc:docMkLst>
+      <pc:sldChg chg="addSp delSp">
+        <pc:chgData name="Elias Afara" userId="S::elias.afara@epita.fr::86ec9bd4-65ef-4e61-9c40-9d576db7455f" providerId="AD" clId="Web-{8DE1EA0F-49DC-48BF-BE16-9F85723902BF}" dt="2022-05-06T11:13:35.599" v="1"/>
+        <pc:sldMkLst>
+          <pc:docMk/>
+          <pc:sldMk cId="1069967497" sldId="256"/>
+        </pc:sldMkLst>
+        <pc:picChg chg="add del">
+          <ac:chgData name="Elias Afara" userId="S::elias.afara@epita.fr::86ec9bd4-65ef-4e61-9c40-9d576db7455f" providerId="AD" clId="Web-{8DE1EA0F-49DC-48BF-BE16-9F85723902BF}" dt="2022-05-06T11:13:35.599" v="1"/>
+          <ac:picMkLst>
+            <pc:docMk/>
+            <pc:sldMk cId="1069967497" sldId="256"/>
+            <ac:picMk id="8" creationId="{EA995E8F-6472-4EFC-8631-61C2F6520DB7}"/>
+          </ac:picMkLst>
+        </pc:picChg>
+      </pc:sldChg>
+    </pc:docChg>
+  </pc:docChgLst>
+</pc:chgInfo>
 </file>
 
 <file path=ppt/charts/chart1.xml><?xml version="1.0" encoding="utf-8"?>
@@ -4279,7 +4341,7 @@
           <a:p>
             <a:fld id="{820FCC30-C5E0-4E3B-9143-ECC7B11E5274}" type="datetimeFigureOut">
               <a:rPr lang="en-GB" smtClean="0"/>
-              <a:t>12/01/2021</a:t>
+              <a:t>09/05/2022</a:t>
             </a:fld>
             <a:endParaRPr lang="en-GB"/>
           </a:p>
@@ -5097,7 +5159,7 @@
           <a:p>
             <a:fld id="{64280EEA-D0D3-8B4B-92D4-DEB51ACFF84E}" type="datetimeFigureOut">
               <a:rPr lang="en-US" smtClean="0"/>
-              <a:t>1/12/2021</a:t>
+              <a:t>5/9/2022</a:t>
             </a:fld>
             <a:endParaRPr lang="en-US"/>
           </a:p>
@@ -5262,7 +5324,7 @@
           <a:p>
             <a:fld id="{64280EEA-D0D3-8B4B-92D4-DEB51ACFF84E}" type="datetimeFigureOut">
               <a:rPr lang="en-US" smtClean="0"/>
-              <a:t>1/12/2021</a:t>
+              <a:t>5/9/2022</a:t>
             </a:fld>
             <a:endParaRPr lang="en-US"/>
           </a:p>
@@ -5437,7 +5499,7 @@
           <a:p>
             <a:fld id="{64280EEA-D0D3-8B4B-92D4-DEB51ACFF84E}" type="datetimeFigureOut">
               <a:rPr lang="en-US" smtClean="0"/>
-              <a:t>1/12/2021</a:t>
+              <a:t>5/9/2022</a:t>
             </a:fld>
             <a:endParaRPr lang="en-US"/>
           </a:p>
@@ -5602,7 +5664,7 @@
           <a:p>
             <a:fld id="{64280EEA-D0D3-8B4B-92D4-DEB51ACFF84E}" type="datetimeFigureOut">
               <a:rPr lang="en-US" smtClean="0"/>
-              <a:t>1/12/2021</a:t>
+              <a:t>5/9/2022</a:t>
             </a:fld>
             <a:endParaRPr lang="en-US"/>
           </a:p>
@@ -5841,7 +5903,7 @@
           <a:p>
             <a:fld id="{64280EEA-D0D3-8B4B-92D4-DEB51ACFF84E}" type="datetimeFigureOut">
               <a:rPr lang="en-US" smtClean="0"/>
-              <a:t>1/12/2021</a:t>
+              <a:t>5/9/2022</a:t>
             </a:fld>
             <a:endParaRPr lang="en-US"/>
           </a:p>
@@ -6068,7 +6130,7 @@
           <a:p>
             <a:fld id="{64280EEA-D0D3-8B4B-92D4-DEB51ACFF84E}" type="datetimeFigureOut">
               <a:rPr lang="en-US" smtClean="0"/>
-              <a:t>1/12/2021</a:t>
+              <a:t>5/9/2022</a:t>
             </a:fld>
             <a:endParaRPr lang="en-US"/>
           </a:p>
@@ -6430,7 +6492,7 @@
           <a:p>
             <a:fld id="{64280EEA-D0D3-8B4B-92D4-DEB51ACFF84E}" type="datetimeFigureOut">
               <a:rPr lang="en-US" smtClean="0"/>
-              <a:t>1/12/2021</a:t>
+              <a:t>5/9/2022</a:t>
             </a:fld>
             <a:endParaRPr lang="en-US"/>
           </a:p>
@@ -6543,7 +6605,7 @@
           <a:p>
             <a:fld id="{64280EEA-D0D3-8B4B-92D4-DEB51ACFF84E}" type="datetimeFigureOut">
               <a:rPr lang="en-US" smtClean="0"/>
-              <a:t>1/12/2021</a:t>
+              <a:t>5/9/2022</a:t>
             </a:fld>
             <a:endParaRPr lang="en-US"/>
           </a:p>
@@ -6633,7 +6695,7 @@
           <a:p>
             <a:fld id="{64280EEA-D0D3-8B4B-92D4-DEB51ACFF84E}" type="datetimeFigureOut">
               <a:rPr lang="en-US" smtClean="0"/>
-              <a:t>1/12/2021</a:t>
+              <a:t>5/9/2022</a:t>
             </a:fld>
             <a:endParaRPr lang="en-US"/>
           </a:p>
@@ -6905,7 +6967,7 @@
           <a:p>
             <a:fld id="{64280EEA-D0D3-8B4B-92D4-DEB51ACFF84E}" type="datetimeFigureOut">
               <a:rPr lang="en-US" smtClean="0"/>
-              <a:t>1/12/2021</a:t>
+              <a:t>5/9/2022</a:t>
             </a:fld>
             <a:endParaRPr lang="en-US"/>
           </a:p>
@@ -7157,7 +7219,7 @@
           <a:p>
             <a:fld id="{64280EEA-D0D3-8B4B-92D4-DEB51ACFF84E}" type="datetimeFigureOut">
               <a:rPr lang="en-US" smtClean="0"/>
-              <a:t>1/12/2021</a:t>
+              <a:t>5/9/2022</a:t>
             </a:fld>
             <a:endParaRPr lang="en-US"/>
           </a:p>
@@ -7365,7 +7427,7 @@
           <a:p>
             <a:fld id="{64280EEA-D0D3-8B4B-92D4-DEB51ACFF84E}" type="datetimeFigureOut">
               <a:rPr lang="en-US" smtClean="0"/>
-              <a:t>1/12/2021</a:t>
+              <a:t>5/9/2022</a:t>
             </a:fld>
             <a:endParaRPr lang="en-US"/>
           </a:p>
@@ -18305,8 +18367,23 @@
 </file>
 
 <file path=customXml/item1.xml><?xml version="1.0" encoding="utf-8"?>
-<ct:contentTypeSchema xmlns:ct="http://schemas.microsoft.com/office/2006/metadata/contentType" xmlns:ma="http://schemas.microsoft.com/office/2006/metadata/properties/metaAttributes" ct:_="" ma:_="" ma:contentTypeName="Document" ma:contentTypeID="0x0101005706BA7B253853438D3221CA5936EEAA" ma:contentTypeVersion="4" ma:contentTypeDescription="Create a new document." ma:contentTypeScope="" ma:versionID="7b7771522fc025a424c82e2e50211da6">
-  <xsd:schema xmlns:xsd="http://www.w3.org/2001/XMLSchema" xmlns:xs="http://www.w3.org/2001/XMLSchema" xmlns:p="http://schemas.microsoft.com/office/2006/metadata/properties" xmlns:ns2="fba70217-aa46-4127-97b9-5dfd52f7b45c" targetNamespace="http://schemas.microsoft.com/office/2006/metadata/properties" ma:root="true" ma:fieldsID="2bba9574b98bfb9166029d153a4475ed" ns2:_="">
+<?mso-contentType ?>
+<FormTemplates xmlns="http://schemas.microsoft.com/sharepoint/v3/contenttype/forms">
+  <Display>DocumentLibraryForm</Display>
+  <Edit>DocumentLibraryForm</Edit>
+  <New>DocumentLibraryForm</New>
+</FormTemplates>
+</file>
+
+<file path=customXml/item2.xml><?xml version="1.0" encoding="utf-8"?>
+<p:properties xmlns:p="http://schemas.microsoft.com/office/2006/metadata/properties" xmlns:xsi="http://www.w3.org/2001/XMLSchema-instance" xmlns:pc="http://schemas.microsoft.com/office/infopath/2007/PartnerControls">
+  <documentManagement/>
+</p:properties>
+</file>
+
+<file path=customXml/item3.xml><?xml version="1.0" encoding="utf-8"?>
+<ct:contentTypeSchema xmlns:ct="http://schemas.microsoft.com/office/2006/metadata/contentType" xmlns:ma="http://schemas.microsoft.com/office/2006/metadata/properties/metaAttributes" ct:_="" ma:_="" ma:contentTypeName="Document" ma:contentTypeID="0x0101005706BA7B253853438D3221CA5936EEAA" ma:contentTypeVersion="6" ma:contentTypeDescription="Crée un document." ma:contentTypeScope="" ma:versionID="dc06765c468f58668e1ffd2b0d559016">
+  <xsd:schema xmlns:xsd="http://www.w3.org/2001/XMLSchema" xmlns:xs="http://www.w3.org/2001/XMLSchema" xmlns:p="http://schemas.microsoft.com/office/2006/metadata/properties" xmlns:ns2="fba70217-aa46-4127-97b9-5dfd52f7b45c" targetNamespace="http://schemas.microsoft.com/office/2006/metadata/properties" ma:root="true" ma:fieldsID="95268bb33b342cd018d51ad52cf8fc2b" ns2:_="">
     <xsd:import namespace="fba70217-aa46-4127-97b9-5dfd52f7b45c"/>
     <xsd:element name="properties">
       <xsd:complexType>
@@ -18318,6 +18395,8 @@
                 <xsd:element ref="ns2:MediaServiceFastMetadata" minOccurs="0"/>
                 <xsd:element ref="ns2:MediaServiceAutoKeyPoints" minOccurs="0"/>
                 <xsd:element ref="ns2:MediaServiceKeyPoints" minOccurs="0"/>
+                <xsd:element ref="ns2:MediaServiceDateTaken" minOccurs="0"/>
+                <xsd:element ref="ns2:MediaLengthInSeconds" minOccurs="0"/>
               </xsd:all>
             </xsd:complexType>
           </xsd:element>
@@ -18350,6 +18429,16 @@
         </xsd:restriction>
       </xsd:simpleType>
     </xsd:element>
+    <xsd:element name="MediaServiceDateTaken" ma:index="12" nillable="true" ma:displayName="MediaServiceDateTaken" ma:hidden="true" ma:internalName="MediaServiceDateTaken" ma:readOnly="true">
+      <xsd:simpleType>
+        <xsd:restriction base="dms:Text"/>
+      </xsd:simpleType>
+    </xsd:element>
+    <xsd:element name="MediaLengthInSeconds" ma:index="13" nillable="true" ma:displayName="MediaLengthInSeconds" ma:hidden="true" ma:internalName="MediaLengthInSeconds" ma:readOnly="true">
+      <xsd:simpleType>
+        <xsd:restriction base="dms:Unknown"/>
+      </xsd:simpleType>
+    </xsd:element>
   </xsd:schema>
   <xsd:schema xmlns="http://schemas.openxmlformats.org/package/2006/metadata/core-properties" xmlns:xsd="http://www.w3.org/2001/XMLSchema" xmlns:xsi="http://www.w3.org/2001/XMLSchema-instance" xmlns:dc="http://purl.org/dc/elements/1.1/" xmlns:dcterms="http://purl.org/dc/terms/" xmlns:odoc="http://schemas.microsoft.com/internal/obd" targetNamespace="http://schemas.openxmlformats.org/package/2006/metadata/core-properties" elementFormDefault="qualified" attributeFormDefault="unqualified" blockDefault="#all">
     <xsd:import namespace="http://purl.org/dc/elements/1.1/" schemaLocation="http://dublincore.org/schemas/xmls/qdc/2003/04/02/dc.xsd"/>
@@ -18360,8 +18449,8 @@
         <xsd:element ref="dc:creator" minOccurs="0" maxOccurs="1"/>
         <xsd:element ref="dcterms:created" minOccurs="0" maxOccurs="1"/>
         <xsd:element ref="dc:identifier" minOccurs="0" maxOccurs="1"/>
-        <xsd:element name="contentType" minOccurs="0" maxOccurs="1" type="xsd:string" ma:index="0" ma:displayName="Content Type"/>
-        <xsd:element ref="dc:title" minOccurs="0" maxOccurs="1" ma:index="4" ma:displayName="Title"/>
+        <xsd:element name="contentType" minOccurs="0" maxOccurs="1" type="xsd:string" ma:index="0" ma:displayName="Type de contenu"/>
+        <xsd:element ref="dc:title" minOccurs="0" maxOccurs="1" ma:index="4" ma:displayName="Titre"/>
         <xsd:element ref="dc:subject" minOccurs="0" maxOccurs="1"/>
         <xsd:element ref="dc:description" minOccurs="0" maxOccurs="1"/>
         <xsd:element name="keywords" minOccurs="0" maxOccurs="1" type="xsd:string"/>
@@ -18450,29 +18539,23 @@
 </ct:contentTypeSchema>
 </file>
 
-<file path=customXml/item2.xml><?xml version="1.0" encoding="utf-8"?>
-<?mso-contentType ?>
-<FormTemplates xmlns="http://schemas.microsoft.com/sharepoint/v3/contenttype/forms">
-  <Display>DocumentLibraryForm</Display>
-  <Edit>DocumentLibraryForm</Edit>
-  <New>DocumentLibraryForm</New>
-</FormTemplates>
-</file>
-
-<file path=customXml/item3.xml><?xml version="1.0" encoding="utf-8"?>
-<p:properties xmlns:p="http://schemas.microsoft.com/office/2006/metadata/properties" xmlns:xsi="http://www.w3.org/2001/XMLSchema-instance" xmlns:pc="http://schemas.microsoft.com/office/infopath/2007/PartnerControls">
-  <documentManagement/>
-</p:properties>
-</file>
-
 <file path=customXml/itemProps1.xml><?xml version="1.0" encoding="utf-8"?>
-<ds:datastoreItem xmlns:ds="http://schemas.openxmlformats.org/officeDocument/2006/customXml" ds:itemID="{14024ED6-EB87-42B7-B9A0-9185001FA5C0}"/>
+<ds:datastoreItem xmlns:ds="http://schemas.openxmlformats.org/officeDocument/2006/customXml" ds:itemID="{6609886F-DB23-4896-8670-4EFA03752A1B}">
+  <ds:schemaRefs>
+    <ds:schemaRef ds:uri="http://schemas.microsoft.com/sharepoint/v3/contenttype/forms"/>
+  </ds:schemaRefs>
+</ds:datastoreItem>
 </file>
 
 <file path=customXml/itemProps2.xml><?xml version="1.0" encoding="utf-8"?>
-<ds:datastoreItem xmlns:ds="http://schemas.openxmlformats.org/officeDocument/2006/customXml" ds:itemID="{6609886F-DB23-4896-8670-4EFA03752A1B}"/>
+<ds:datastoreItem xmlns:ds="http://schemas.openxmlformats.org/officeDocument/2006/customXml" ds:itemID="{8ED066F2-7F87-479D-A1E9-67882E17AA0A}">
+  <ds:schemaRefs>
+    <ds:schemaRef ds:uri="http://schemas.microsoft.com/office/2006/metadata/properties"/>
+    <ds:schemaRef ds:uri="http://schemas.microsoft.com/office/infopath/2007/PartnerControls"/>
+  </ds:schemaRefs>
+</ds:datastoreItem>
 </file>
 
 <file path=customXml/itemProps3.xml><?xml version="1.0" encoding="utf-8"?>
-<ds:datastoreItem xmlns:ds="http://schemas.openxmlformats.org/officeDocument/2006/customXml" ds:itemID="{8ED066F2-7F87-479D-A1E9-67882E17AA0A}"/>
+<ds:datastoreItem xmlns:ds="http://schemas.openxmlformats.org/officeDocument/2006/customXml" ds:itemID="{C5BF28EE-5EDC-467E-ADAC-29AAAEFE6FE4}"/>
 </file>